--- a/Presentación1.pptx
+++ b/Presentación1.pptx
@@ -5,7 +5,7 @@
     <p:sldMasterId id="2147483660" r:id="rId1"/>
   </p:sldMasterIdLst>
   <p:notesMasterIdLst>
-    <p:notesMasterId r:id="rId43"/>
+    <p:notesMasterId r:id="rId49"/>
   </p:notesMasterIdLst>
   <p:sldIdLst>
     <p:sldId id="256" r:id="rId2"/>
@@ -49,6 +49,12 @@
     <p:sldId id="288" r:id="rId40"/>
     <p:sldId id="289" r:id="rId41"/>
     <p:sldId id="286" r:id="rId42"/>
+    <p:sldId id="297" r:id="rId43"/>
+    <p:sldId id="299" r:id="rId44"/>
+    <p:sldId id="300" r:id="rId45"/>
+    <p:sldId id="301" r:id="rId46"/>
+    <p:sldId id="302" r:id="rId47"/>
+    <p:sldId id="298" r:id="rId48"/>
   </p:sldIdLst>
   <p:sldSz cx="3600450" cy="2519363"/>
   <p:notesSz cx="6858000" cy="9144000"/>
@@ -147,6 +153,11 @@
       </a:defRPr>
     </a:lvl9pPr>
   </p:defaultTextStyle>
+  <p:extLst>
+    <p:ext uri="{EFAFB233-063F-42B5-8137-9DF3F51BA10A}">
+      <p15:sldGuideLst xmlns:p15="http://schemas.microsoft.com/office/powerpoint/2012/main"/>
+    </p:ext>
+  </p:extLst>
 </p:presentation>
 </file>
 
@@ -232,7 +243,7 @@
           <a:p>
             <a:fld id="{D9B38CB1-2F07-4AFC-93FC-E5C4A30B08A1}" type="datetimeFigureOut">
               <a:rPr lang="ca-ES" smtClean="0"/>
-              <a:t>13/9/2025</a:t>
+              <a:t>14/9/2025</a:t>
             </a:fld>
             <a:endParaRPr lang="ca-ES"/>
           </a:p>
@@ -715,7 +726,7 @@
           <a:p>
             <a:fld id="{E7C9B36E-23C2-4C6F-98C4-07BE5DC30EF1}" type="datetimeFigureOut">
               <a:rPr lang="ca-ES" smtClean="0"/>
-              <a:t>13/9/2025</a:t>
+              <a:t>14/9/2025</a:t>
             </a:fld>
             <a:endParaRPr lang="ca-ES"/>
           </a:p>
@@ -885,7 +896,7 @@
           <a:p>
             <a:fld id="{E7C9B36E-23C2-4C6F-98C4-07BE5DC30EF1}" type="datetimeFigureOut">
               <a:rPr lang="ca-ES" smtClean="0"/>
-              <a:t>13/9/2025</a:t>
+              <a:t>14/9/2025</a:t>
             </a:fld>
             <a:endParaRPr lang="ca-ES"/>
           </a:p>
@@ -1065,7 +1076,7 @@
           <a:p>
             <a:fld id="{E7C9B36E-23C2-4C6F-98C4-07BE5DC30EF1}" type="datetimeFigureOut">
               <a:rPr lang="ca-ES" smtClean="0"/>
-              <a:t>13/9/2025</a:t>
+              <a:t>14/9/2025</a:t>
             </a:fld>
             <a:endParaRPr lang="ca-ES"/>
           </a:p>
@@ -1235,7 +1246,7 @@
           <a:p>
             <a:fld id="{E7C9B36E-23C2-4C6F-98C4-07BE5DC30EF1}" type="datetimeFigureOut">
               <a:rPr lang="ca-ES" smtClean="0"/>
-              <a:t>13/9/2025</a:t>
+              <a:t>14/9/2025</a:t>
             </a:fld>
             <a:endParaRPr lang="ca-ES"/>
           </a:p>
@@ -1481,7 +1492,7 @@
           <a:p>
             <a:fld id="{E7C9B36E-23C2-4C6F-98C4-07BE5DC30EF1}" type="datetimeFigureOut">
               <a:rPr lang="ca-ES" smtClean="0"/>
-              <a:t>13/9/2025</a:t>
+              <a:t>14/9/2025</a:t>
             </a:fld>
             <a:endParaRPr lang="ca-ES"/>
           </a:p>
@@ -1713,7 +1724,7 @@
           <a:p>
             <a:fld id="{E7C9B36E-23C2-4C6F-98C4-07BE5DC30EF1}" type="datetimeFigureOut">
               <a:rPr lang="ca-ES" smtClean="0"/>
-              <a:t>13/9/2025</a:t>
+              <a:t>14/9/2025</a:t>
             </a:fld>
             <a:endParaRPr lang="ca-ES"/>
           </a:p>
@@ -2080,7 +2091,7 @@
           <a:p>
             <a:fld id="{E7C9B36E-23C2-4C6F-98C4-07BE5DC30EF1}" type="datetimeFigureOut">
               <a:rPr lang="ca-ES" smtClean="0"/>
-              <a:t>13/9/2025</a:t>
+              <a:t>14/9/2025</a:t>
             </a:fld>
             <a:endParaRPr lang="ca-ES"/>
           </a:p>
@@ -2198,7 +2209,7 @@
           <a:p>
             <a:fld id="{E7C9B36E-23C2-4C6F-98C4-07BE5DC30EF1}" type="datetimeFigureOut">
               <a:rPr lang="ca-ES" smtClean="0"/>
-              <a:t>13/9/2025</a:t>
+              <a:t>14/9/2025</a:t>
             </a:fld>
             <a:endParaRPr lang="ca-ES"/>
           </a:p>
@@ -2293,7 +2304,7 @@
           <a:p>
             <a:fld id="{E7C9B36E-23C2-4C6F-98C4-07BE5DC30EF1}" type="datetimeFigureOut">
               <a:rPr lang="ca-ES" smtClean="0"/>
-              <a:t>13/9/2025</a:t>
+              <a:t>14/9/2025</a:t>
             </a:fld>
             <a:endParaRPr lang="ca-ES"/>
           </a:p>
@@ -2570,7 +2581,7 @@
           <a:p>
             <a:fld id="{E7C9B36E-23C2-4C6F-98C4-07BE5DC30EF1}" type="datetimeFigureOut">
               <a:rPr lang="ca-ES" smtClean="0"/>
-              <a:t>13/9/2025</a:t>
+              <a:t>14/9/2025</a:t>
             </a:fld>
             <a:endParaRPr lang="ca-ES"/>
           </a:p>
@@ -2827,7 +2838,7 @@
           <a:p>
             <a:fld id="{E7C9B36E-23C2-4C6F-98C4-07BE5DC30EF1}" type="datetimeFigureOut">
               <a:rPr lang="ca-ES" smtClean="0"/>
-              <a:t>13/9/2025</a:t>
+              <a:t>14/9/2025</a:t>
             </a:fld>
             <a:endParaRPr lang="ca-ES"/>
           </a:p>
@@ -3040,7 +3051,7 @@
           <a:p>
             <a:fld id="{E7C9B36E-23C2-4C6F-98C4-07BE5DC30EF1}" type="datetimeFigureOut">
               <a:rPr lang="ca-ES" smtClean="0"/>
-              <a:t>13/9/2025</a:t>
+              <a:t>14/9/2025</a:t>
             </a:fld>
             <a:endParaRPr lang="ca-ES"/>
           </a:p>
@@ -11440,6 +11451,1888 @@
 </p:sld>
 </file>
 
+<file path=ppt/slides/slide42.xml><?xml version="1.0" encoding="utf-8"?>
+<p:sld xmlns:a="http://schemas.openxmlformats.org/drawingml/2006/main" xmlns:r="http://schemas.openxmlformats.org/officeDocument/2006/relationships" xmlns:p="http://schemas.openxmlformats.org/presentationml/2006/main">
+  <p:cSld>
+    <p:spTree>
+      <p:nvGrpSpPr>
+        <p:cNvPr id="1" name="">
+          <a:extLst>
+            <a:ext uri="{FF2B5EF4-FFF2-40B4-BE49-F238E27FC236}">
+              <a16:creationId xmlns:a16="http://schemas.microsoft.com/office/drawing/2014/main" id="{85C2EE79-682D-4EB4-7FAF-CE7A9981FD8F}"/>
+            </a:ext>
+          </a:extLst>
+        </p:cNvPr>
+        <p:cNvGrpSpPr/>
+        <p:nvPr/>
+      </p:nvGrpSpPr>
+      <p:grpSpPr>
+        <a:xfrm>
+          <a:off x="0" y="0"/>
+          <a:ext cx="0" cy="0"/>
+          <a:chOff x="0" y="0"/>
+          <a:chExt cx="0" cy="0"/>
+        </a:xfrm>
+      </p:grpSpPr>
+      <p:sp>
+        <p:nvSpPr>
+          <p:cNvPr id="4" name="CuadroTexto 3">
+            <a:extLst>
+              <a:ext uri="{FF2B5EF4-FFF2-40B4-BE49-F238E27FC236}">
+                <a16:creationId xmlns:a16="http://schemas.microsoft.com/office/drawing/2014/main" id="{692D3E10-E9F4-A49E-097C-D3EC50320C3D}"/>
+              </a:ext>
+            </a:extLst>
+          </p:cNvPr>
+          <p:cNvSpPr txBox="1"/>
+          <p:nvPr/>
+        </p:nvSpPr>
+        <p:spPr>
+          <a:xfrm>
+            <a:off x="80033" y="65136"/>
+            <a:ext cx="3413937" cy="2123658"/>
+          </a:xfrm>
+          <a:prstGeom prst="rect">
+            <a:avLst/>
+          </a:prstGeom>
+          <a:noFill/>
+          <a:ln>
+            <a:solidFill>
+              <a:schemeClr val="bg1"/>
+            </a:solidFill>
+          </a:ln>
+        </p:spPr>
+        <p:txBody>
+          <a:bodyPr wrap="square" rtlCol="0">
+            <a:spAutoFit/>
+          </a:bodyPr>
+          <a:lstStyle/>
+          <a:p>
+            <a:r>
+              <a:rPr lang="es-ES" sz="1100" b="1" dirty="0" err="1"/>
+              <a:t>Hoisting</a:t>
+            </a:r>
+            <a:r>
+              <a:rPr lang="es-ES" sz="1100" b="1" dirty="0"/>
+              <a:t>:</a:t>
+            </a:r>
+          </a:p>
+          <a:p>
+            <a:r>
+              <a:rPr lang="es-ES" sz="1100" b="1" dirty="0"/>
+              <a:t>“mover” las declaraciones de variables y funciones al inicio de su ámbito (</a:t>
+            </a:r>
+            <a:r>
+              <a:rPr lang="es-ES" sz="1100" b="1" dirty="0" err="1"/>
+              <a:t>scope</a:t>
+            </a:r>
+            <a:r>
+              <a:rPr lang="es-ES" sz="1100" b="1" dirty="0"/>
+              <a:t>)</a:t>
+            </a:r>
+            <a:r>
+              <a:rPr lang="es-ES" sz="1100" dirty="0"/>
+              <a:t> durante la fase de compilación. Cuando usas </a:t>
+            </a:r>
+            <a:r>
+              <a:rPr lang="es-ES" sz="1100" dirty="0" err="1"/>
+              <a:t>var</a:t>
+            </a:r>
+            <a:r>
+              <a:rPr lang="es-ES" sz="1100" dirty="0"/>
+              <a:t>, la declaración se eleva, pero la asignación </a:t>
+            </a:r>
+            <a:r>
+              <a:rPr lang="es-ES" sz="1100" dirty="0" err="1"/>
+              <a:t>no.Esto</a:t>
+            </a:r>
+            <a:r>
+              <a:rPr lang="es-ES" sz="1100" dirty="0"/>
+              <a:t> significa que la variable existe desde el principio del código, pero su valor será </a:t>
+            </a:r>
+            <a:r>
+              <a:rPr lang="es-ES" sz="1100" dirty="0" err="1"/>
+              <a:t>undefined</a:t>
+            </a:r>
+            <a:r>
+              <a:rPr lang="es-ES" sz="1100" dirty="0"/>
+              <a:t> hasta que llegue a la línea donde se le asigna un valor. No es que el código se reordene de verdad, sino que el motor de JavaScript registra las declaraciones antes de ejecutar el código. Lo visualizamos como si las "subiera" al inicio del </a:t>
+            </a:r>
+            <a:r>
+              <a:rPr lang="es-ES" sz="1100" dirty="0" err="1"/>
+              <a:t>scope</a:t>
+            </a:r>
+            <a:r>
+              <a:rPr lang="es-ES" sz="1100" dirty="0"/>
+              <a:t>.</a:t>
+            </a:r>
+          </a:p>
+          <a:p>
+            <a:endParaRPr lang="es-ES" sz="1100" dirty="0"/>
+          </a:p>
+        </p:txBody>
+      </p:sp>
+    </p:spTree>
+    <p:extLst>
+      <p:ext uri="{BB962C8B-B14F-4D97-AF65-F5344CB8AC3E}">
+        <p14:creationId xmlns:p14="http://schemas.microsoft.com/office/powerpoint/2010/main" val="3617321831"/>
+      </p:ext>
+    </p:extLst>
+  </p:cSld>
+  <p:clrMapOvr>
+    <a:masterClrMapping/>
+  </p:clrMapOvr>
+</p:sld>
+</file>
+
+<file path=ppt/slides/slide43.xml><?xml version="1.0" encoding="utf-8"?>
+<p:sld xmlns:a="http://schemas.openxmlformats.org/drawingml/2006/main" xmlns:r="http://schemas.openxmlformats.org/officeDocument/2006/relationships" xmlns:p="http://schemas.openxmlformats.org/presentationml/2006/main">
+  <p:cSld>
+    <p:spTree>
+      <p:nvGrpSpPr>
+        <p:cNvPr id="1" name="">
+          <a:extLst>
+            <a:ext uri="{FF2B5EF4-FFF2-40B4-BE49-F238E27FC236}">
+              <a16:creationId xmlns:a16="http://schemas.microsoft.com/office/drawing/2014/main" id="{36A530B6-FBED-D468-8096-0D1C1C997238}"/>
+            </a:ext>
+          </a:extLst>
+        </p:cNvPr>
+        <p:cNvGrpSpPr/>
+        <p:nvPr/>
+      </p:nvGrpSpPr>
+      <p:grpSpPr>
+        <a:xfrm>
+          <a:off x="0" y="0"/>
+          <a:ext cx="0" cy="0"/>
+          <a:chOff x="0" y="0"/>
+          <a:chExt cx="0" cy="0"/>
+        </a:xfrm>
+      </p:grpSpPr>
+      <p:sp>
+        <p:nvSpPr>
+          <p:cNvPr id="4" name="CuadroTexto 3">
+            <a:extLst>
+              <a:ext uri="{FF2B5EF4-FFF2-40B4-BE49-F238E27FC236}">
+                <a16:creationId xmlns:a16="http://schemas.microsoft.com/office/drawing/2014/main" id="{E0143090-CBC2-5FB2-92E9-66E3002A29C8}"/>
+              </a:ext>
+            </a:extLst>
+          </p:cNvPr>
+          <p:cNvSpPr txBox="1"/>
+          <p:nvPr/>
+        </p:nvSpPr>
+        <p:spPr>
+          <a:xfrm>
+            <a:off x="80033" y="65136"/>
+            <a:ext cx="3413937" cy="430887"/>
+          </a:xfrm>
+          <a:prstGeom prst="rect">
+            <a:avLst/>
+          </a:prstGeom>
+          <a:noFill/>
+          <a:ln>
+            <a:solidFill>
+              <a:schemeClr val="bg1"/>
+            </a:solidFill>
+          </a:ln>
+        </p:spPr>
+        <p:txBody>
+          <a:bodyPr wrap="square" rtlCol="0">
+            <a:spAutoFit/>
+          </a:bodyPr>
+          <a:lstStyle/>
+          <a:p>
+            <a:r>
+              <a:rPr lang="es-ES" sz="1100" b="1" dirty="0" err="1"/>
+              <a:t>Event</a:t>
+            </a:r>
+            <a:r>
+              <a:rPr lang="es-ES" sz="1100" b="1" dirty="0"/>
+              <a:t> </a:t>
+            </a:r>
+            <a:r>
+              <a:rPr lang="es-ES" sz="1100" b="1" dirty="0" err="1"/>
+              <a:t>Bubbling</a:t>
+            </a:r>
+            <a:r>
+              <a:rPr lang="es-ES" sz="1100" b="1" dirty="0"/>
+              <a:t>:</a:t>
+            </a:r>
+          </a:p>
+          <a:p>
+            <a:endParaRPr lang="es-ES" sz="1100" dirty="0"/>
+          </a:p>
+        </p:txBody>
+      </p:sp>
+    </p:spTree>
+    <p:extLst>
+      <p:ext uri="{BB962C8B-B14F-4D97-AF65-F5344CB8AC3E}">
+        <p14:creationId xmlns:p14="http://schemas.microsoft.com/office/powerpoint/2010/main" val="223300366"/>
+      </p:ext>
+    </p:extLst>
+  </p:cSld>
+  <p:clrMapOvr>
+    <a:masterClrMapping/>
+  </p:clrMapOvr>
+</p:sld>
+</file>
+
+<file path=ppt/slides/slide44.xml><?xml version="1.0" encoding="utf-8"?>
+<p:sld xmlns:a="http://schemas.openxmlformats.org/drawingml/2006/main" xmlns:r="http://schemas.openxmlformats.org/officeDocument/2006/relationships" xmlns:p="http://schemas.openxmlformats.org/presentationml/2006/main">
+  <p:cSld>
+    <p:spTree>
+      <p:nvGrpSpPr>
+        <p:cNvPr id="1" name="">
+          <a:extLst>
+            <a:ext uri="{FF2B5EF4-FFF2-40B4-BE49-F238E27FC236}">
+              <a16:creationId xmlns:a16="http://schemas.microsoft.com/office/drawing/2014/main" id="{1F74ED47-15F5-9ABB-DE6B-3A5FB4A9794B}"/>
+            </a:ext>
+          </a:extLst>
+        </p:cNvPr>
+        <p:cNvGrpSpPr/>
+        <p:nvPr/>
+      </p:nvGrpSpPr>
+      <p:grpSpPr>
+        <a:xfrm>
+          <a:off x="0" y="0"/>
+          <a:ext cx="0" cy="0"/>
+          <a:chOff x="0" y="0"/>
+          <a:chExt cx="0" cy="0"/>
+        </a:xfrm>
+      </p:grpSpPr>
+      <p:sp>
+        <p:nvSpPr>
+          <p:cNvPr id="4" name="CuadroTexto 3">
+            <a:extLst>
+              <a:ext uri="{FF2B5EF4-FFF2-40B4-BE49-F238E27FC236}">
+                <a16:creationId xmlns:a16="http://schemas.microsoft.com/office/drawing/2014/main" id="{8F2C7F7E-8684-C746-43D9-C34B9E1D4E6F}"/>
+              </a:ext>
+            </a:extLst>
+          </p:cNvPr>
+          <p:cNvSpPr txBox="1"/>
+          <p:nvPr/>
+        </p:nvSpPr>
+        <p:spPr>
+          <a:xfrm>
+            <a:off x="80033" y="65136"/>
+            <a:ext cx="3413937" cy="769441"/>
+          </a:xfrm>
+          <a:prstGeom prst="rect">
+            <a:avLst/>
+          </a:prstGeom>
+          <a:noFill/>
+          <a:ln>
+            <a:solidFill>
+              <a:schemeClr val="bg1"/>
+            </a:solidFill>
+          </a:ln>
+        </p:spPr>
+        <p:txBody>
+          <a:bodyPr wrap="square" rtlCol="0">
+            <a:spAutoFit/>
+          </a:bodyPr>
+          <a:lstStyle/>
+          <a:p>
+            <a:r>
+              <a:rPr lang="en-US" sz="1100" b="1" dirty="0"/>
+              <a:t>What is the event loop in JavaScript runtimes?</a:t>
+            </a:r>
+          </a:p>
+          <a:p>
+            <a:r>
+              <a:rPr lang="en-US" sz="1100" b="1" dirty="0"/>
+              <a:t>What is the difference between call stack and task queue?</a:t>
+            </a:r>
+            <a:r>
+              <a:rPr lang="es-ES" sz="1100" b="1" dirty="0"/>
+              <a:t>:</a:t>
+            </a:r>
+          </a:p>
+          <a:p>
+            <a:endParaRPr lang="es-ES" sz="1100" dirty="0"/>
+          </a:p>
+        </p:txBody>
+      </p:sp>
+    </p:spTree>
+    <p:extLst>
+      <p:ext uri="{BB962C8B-B14F-4D97-AF65-F5344CB8AC3E}">
+        <p14:creationId xmlns:p14="http://schemas.microsoft.com/office/powerpoint/2010/main" val="255281109"/>
+      </p:ext>
+    </p:extLst>
+  </p:cSld>
+  <p:clrMapOvr>
+    <a:masterClrMapping/>
+  </p:clrMapOvr>
+</p:sld>
+</file>
+
+<file path=ppt/slides/slide45.xml><?xml version="1.0" encoding="utf-8"?>
+<p:sld xmlns:a="http://schemas.openxmlformats.org/drawingml/2006/main" xmlns:r="http://schemas.openxmlformats.org/officeDocument/2006/relationships" xmlns:p="http://schemas.openxmlformats.org/presentationml/2006/main">
+  <p:cSld>
+    <p:spTree>
+      <p:nvGrpSpPr>
+        <p:cNvPr id="1" name="">
+          <a:extLst>
+            <a:ext uri="{FF2B5EF4-FFF2-40B4-BE49-F238E27FC236}">
+              <a16:creationId xmlns:a16="http://schemas.microsoft.com/office/drawing/2014/main" id="{791548E9-AEB8-4A7A-B727-5F29F03FE6D9}"/>
+            </a:ext>
+          </a:extLst>
+        </p:cNvPr>
+        <p:cNvGrpSpPr/>
+        <p:nvPr/>
+      </p:nvGrpSpPr>
+      <p:grpSpPr>
+        <a:xfrm>
+          <a:off x="0" y="0"/>
+          <a:ext cx="0" cy="0"/>
+          <a:chOff x="0" y="0"/>
+          <a:chExt cx="0" cy="0"/>
+        </a:xfrm>
+      </p:grpSpPr>
+      <p:sp>
+        <p:nvSpPr>
+          <p:cNvPr id="4" name="CuadroTexto 3">
+            <a:extLst>
+              <a:ext uri="{FF2B5EF4-FFF2-40B4-BE49-F238E27FC236}">
+                <a16:creationId xmlns:a16="http://schemas.microsoft.com/office/drawing/2014/main" id="{B282A577-0B43-2C75-18F5-CE8E7066EBC7}"/>
+              </a:ext>
+            </a:extLst>
+          </p:cNvPr>
+          <p:cNvSpPr txBox="1"/>
+          <p:nvPr/>
+        </p:nvSpPr>
+        <p:spPr>
+          <a:xfrm>
+            <a:off x="80033" y="65136"/>
+            <a:ext cx="3413937" cy="430887"/>
+          </a:xfrm>
+          <a:prstGeom prst="rect">
+            <a:avLst/>
+          </a:prstGeom>
+          <a:noFill/>
+          <a:ln>
+            <a:solidFill>
+              <a:schemeClr val="bg1"/>
+            </a:solidFill>
+          </a:ln>
+        </p:spPr>
+        <p:txBody>
+          <a:bodyPr wrap="square" rtlCol="0">
+            <a:spAutoFit/>
+          </a:bodyPr>
+          <a:lstStyle/>
+          <a:p>
+            <a:r>
+              <a:rPr lang="en-US" sz="1100" b="1" dirty="0"/>
+              <a:t>What are the pros and cons of using Promises instead of callbacks in JavaScript?</a:t>
+            </a:r>
+            <a:endParaRPr lang="es-ES" sz="1100" dirty="0"/>
+          </a:p>
+        </p:txBody>
+      </p:sp>
+    </p:spTree>
+    <p:extLst>
+      <p:ext uri="{BB962C8B-B14F-4D97-AF65-F5344CB8AC3E}">
+        <p14:creationId xmlns:p14="http://schemas.microsoft.com/office/powerpoint/2010/main" val="1194354457"/>
+      </p:ext>
+    </p:extLst>
+  </p:cSld>
+  <p:clrMapOvr>
+    <a:masterClrMapping/>
+  </p:clrMapOvr>
+</p:sld>
+</file>
+
+<file path=ppt/slides/slide46.xml><?xml version="1.0" encoding="utf-8"?>
+<p:sld xmlns:a="http://schemas.openxmlformats.org/drawingml/2006/main" xmlns:r="http://schemas.openxmlformats.org/officeDocument/2006/relationships" xmlns:p="http://schemas.openxmlformats.org/presentationml/2006/main">
+  <p:cSld>
+    <p:spTree>
+      <p:nvGrpSpPr>
+        <p:cNvPr id="1" name="">
+          <a:extLst>
+            <a:ext uri="{FF2B5EF4-FFF2-40B4-BE49-F238E27FC236}">
+              <a16:creationId xmlns:a16="http://schemas.microsoft.com/office/drawing/2014/main" id="{1A495C5A-E563-25EC-72DF-ABC3D5A6C48B}"/>
+            </a:ext>
+          </a:extLst>
+        </p:cNvPr>
+        <p:cNvGrpSpPr/>
+        <p:nvPr/>
+      </p:nvGrpSpPr>
+      <p:grpSpPr>
+        <a:xfrm>
+          <a:off x="0" y="0"/>
+          <a:ext cx="0" cy="0"/>
+          <a:chOff x="0" y="0"/>
+          <a:chExt cx="0" cy="0"/>
+        </a:xfrm>
+      </p:grpSpPr>
+      <p:sp>
+        <p:nvSpPr>
+          <p:cNvPr id="4" name="CuadroTexto 3">
+            <a:extLst>
+              <a:ext uri="{FF2B5EF4-FFF2-40B4-BE49-F238E27FC236}">
+                <a16:creationId xmlns:a16="http://schemas.microsoft.com/office/drawing/2014/main" id="{F31D7361-100D-414A-C77B-D24FFF6C610A}"/>
+              </a:ext>
+            </a:extLst>
+          </p:cNvPr>
+          <p:cNvSpPr txBox="1"/>
+          <p:nvPr/>
+        </p:nvSpPr>
+        <p:spPr>
+          <a:xfrm>
+            <a:off x="80033" y="65136"/>
+            <a:ext cx="3413937" cy="600164"/>
+          </a:xfrm>
+          <a:prstGeom prst="rect">
+            <a:avLst/>
+          </a:prstGeom>
+          <a:noFill/>
+          <a:ln>
+            <a:solidFill>
+              <a:schemeClr val="bg1"/>
+            </a:solidFill>
+          </a:ln>
+        </p:spPr>
+        <p:txBody>
+          <a:bodyPr wrap="square" rtlCol="0">
+            <a:spAutoFit/>
+          </a:bodyPr>
+          <a:lstStyle/>
+          <a:p>
+            <a:r>
+              <a:rPr lang="en-US" sz="1100" b="1" dirty="0"/>
+              <a:t>Explain your understanding of the box model and how you would tell the browser in CSS to render your layout in different box models.</a:t>
+            </a:r>
+            <a:endParaRPr lang="es-ES" sz="1100" dirty="0"/>
+          </a:p>
+        </p:txBody>
+      </p:sp>
+    </p:spTree>
+    <p:extLst>
+      <p:ext uri="{BB962C8B-B14F-4D97-AF65-F5344CB8AC3E}">
+        <p14:creationId xmlns:p14="http://schemas.microsoft.com/office/powerpoint/2010/main" val="4203421527"/>
+      </p:ext>
+    </p:extLst>
+  </p:cSld>
+  <p:clrMapOvr>
+    <a:masterClrMapping/>
+  </p:clrMapOvr>
+</p:sld>
+</file>
+
+<file path=ppt/slides/slide47.xml><?xml version="1.0" encoding="utf-8"?>
+<p:sld xmlns:a="http://schemas.openxmlformats.org/drawingml/2006/main" xmlns:r="http://schemas.openxmlformats.org/officeDocument/2006/relationships" xmlns:p="http://schemas.openxmlformats.org/presentationml/2006/main">
+  <p:cSld>
+    <p:spTree>
+      <p:nvGrpSpPr>
+        <p:cNvPr id="1" name="">
+          <a:extLst>
+            <a:ext uri="{FF2B5EF4-FFF2-40B4-BE49-F238E27FC236}">
+              <a16:creationId xmlns:a16="http://schemas.microsoft.com/office/drawing/2014/main" id="{4701B09B-7315-F237-1BFB-9D4DA1E63C0A}"/>
+            </a:ext>
+          </a:extLst>
+        </p:cNvPr>
+        <p:cNvGrpSpPr/>
+        <p:nvPr/>
+      </p:nvGrpSpPr>
+      <p:grpSpPr>
+        <a:xfrm>
+          <a:off x="0" y="0"/>
+          <a:ext cx="0" cy="0"/>
+          <a:chOff x="0" y="0"/>
+          <a:chExt cx="0" cy="0"/>
+        </a:xfrm>
+      </p:grpSpPr>
+      <p:graphicFrame>
+        <p:nvGraphicFramePr>
+          <p:cNvPr id="2" name="Tabla 1">
+            <a:extLst>
+              <a:ext uri="{FF2B5EF4-FFF2-40B4-BE49-F238E27FC236}">
+                <a16:creationId xmlns:a16="http://schemas.microsoft.com/office/drawing/2014/main" id="{ABA606FB-B235-A7AA-97C0-971C30DDDB5E}"/>
+              </a:ext>
+            </a:extLst>
+          </p:cNvPr>
+          <p:cNvGraphicFramePr>
+            <a:graphicFrameLocks noGrp="1"/>
+          </p:cNvGraphicFramePr>
+          <p:nvPr>
+            <p:extLst>
+              <p:ext uri="{D42A27DB-BD31-4B8C-83A1-F6EECF244321}">
+                <p14:modId xmlns:p14="http://schemas.microsoft.com/office/powerpoint/2010/main" val="2549195424"/>
+              </p:ext>
+            </p:extLst>
+          </p:nvPr>
+        </p:nvGraphicFramePr>
+        <p:xfrm>
+          <a:off x="124434" y="-3857"/>
+          <a:ext cx="2570640" cy="2523219"/>
+        </p:xfrm>
+        <a:graphic>
+          <a:graphicData uri="http://schemas.openxmlformats.org/drawingml/2006/table">
+            <a:tbl>
+              <a:tblPr/>
+              <a:tblGrid>
+                <a:gridCol w="514128">
+                  <a:extLst>
+                    <a:ext uri="{9D8B030D-6E8A-4147-A177-3AD203B41FA5}">
+                      <a16:colId xmlns:a16="http://schemas.microsoft.com/office/drawing/2014/main" val="424751070"/>
+                    </a:ext>
+                  </a:extLst>
+                </a:gridCol>
+                <a:gridCol w="514128">
+                  <a:extLst>
+                    <a:ext uri="{9D8B030D-6E8A-4147-A177-3AD203B41FA5}">
+                      <a16:colId xmlns:a16="http://schemas.microsoft.com/office/drawing/2014/main" val="1701749249"/>
+                    </a:ext>
+                  </a:extLst>
+                </a:gridCol>
+                <a:gridCol w="514128">
+                  <a:extLst>
+                    <a:ext uri="{9D8B030D-6E8A-4147-A177-3AD203B41FA5}">
+                      <a16:colId xmlns:a16="http://schemas.microsoft.com/office/drawing/2014/main" val="2229852004"/>
+                    </a:ext>
+                  </a:extLst>
+                </a:gridCol>
+                <a:gridCol w="514128">
+                  <a:extLst>
+                    <a:ext uri="{9D8B030D-6E8A-4147-A177-3AD203B41FA5}">
+                      <a16:colId xmlns:a16="http://schemas.microsoft.com/office/drawing/2014/main" val="2433753190"/>
+                    </a:ext>
+                  </a:extLst>
+                </a:gridCol>
+                <a:gridCol w="514128">
+                  <a:extLst>
+                    <a:ext uri="{9D8B030D-6E8A-4147-A177-3AD203B41FA5}">
+                      <a16:colId xmlns:a16="http://schemas.microsoft.com/office/drawing/2014/main" val="496459444"/>
+                    </a:ext>
+                  </a:extLst>
+                </a:gridCol>
+              </a:tblGrid>
+              <a:tr h="409199">
+                <a:tc>
+                  <a:txBody>
+                    <a:bodyPr/>
+                    <a:lstStyle/>
+                    <a:p>
+                      <a:pPr>
+                        <a:buNone/>
+                      </a:pPr>
+                      <a:r>
+                        <a:rPr lang="es-ES" sz="400"/>
+                        <a:t>Tipo</a:t>
+                      </a:r>
+                    </a:p>
+                  </a:txBody>
+                  <a:tcPr marL="75699" marR="75699" marT="37850" marB="37850" anchor="ctr">
+                    <a:lnL>
+                      <a:noFill/>
+                    </a:lnL>
+                    <a:lnR>
+                      <a:noFill/>
+                    </a:lnR>
+                    <a:lnT>
+                      <a:noFill/>
+                    </a:lnT>
+                    <a:lnB>
+                      <a:noFill/>
+                    </a:lnB>
+                    <a:noFill/>
+                  </a:tcPr>
+                </a:tc>
+                <a:tc>
+                  <a:txBody>
+                    <a:bodyPr/>
+                    <a:lstStyle/>
+                    <a:p>
+                      <a:pPr>
+                        <a:buNone/>
+                      </a:pPr>
+                      <a:r>
+                        <a:rPr lang="es-ES" sz="400"/>
+                        <a:t>¿Se aplica hoisting?</a:t>
+                      </a:r>
+                    </a:p>
+                  </a:txBody>
+                  <a:tcPr marL="75699" marR="75699" marT="37850" marB="37850" anchor="ctr">
+                    <a:lnL>
+                      <a:noFill/>
+                    </a:lnL>
+                    <a:lnR>
+                      <a:noFill/>
+                    </a:lnR>
+                    <a:lnT>
+                      <a:noFill/>
+                    </a:lnT>
+                    <a:lnB>
+                      <a:noFill/>
+                    </a:lnB>
+                    <a:noFill/>
+                  </a:tcPr>
+                </a:tc>
+                <a:tc>
+                  <a:txBody>
+                    <a:bodyPr/>
+                    <a:lstStyle/>
+                    <a:p>
+                      <a:pPr>
+                        <a:buNone/>
+                      </a:pPr>
+                      <a:r>
+                        <a:rPr lang="es-ES" sz="400"/>
+                        <a:t>¿Se inicializa automáticamente?</a:t>
+                      </a:r>
+                    </a:p>
+                  </a:txBody>
+                  <a:tcPr marL="75699" marR="75699" marT="37850" marB="37850" anchor="ctr">
+                    <a:lnL>
+                      <a:noFill/>
+                    </a:lnL>
+                    <a:lnR>
+                      <a:noFill/>
+                    </a:lnR>
+                    <a:lnT>
+                      <a:noFill/>
+                    </a:lnT>
+                    <a:lnB>
+                      <a:noFill/>
+                    </a:lnB>
+                    <a:noFill/>
+                  </a:tcPr>
+                </a:tc>
+                <a:tc>
+                  <a:txBody>
+                    <a:bodyPr/>
+                    <a:lstStyle/>
+                    <a:p>
+                      <a:pPr>
+                        <a:buNone/>
+                      </a:pPr>
+                      <a:r>
+                        <a:rPr lang="es-ES" sz="400"/>
+                        <a:t>¿Accesible antes de la declaración?</a:t>
+                      </a:r>
+                    </a:p>
+                  </a:txBody>
+                  <a:tcPr marL="75699" marR="75699" marT="37850" marB="37850" anchor="ctr">
+                    <a:lnL>
+                      <a:noFill/>
+                    </a:lnL>
+                    <a:lnR>
+                      <a:noFill/>
+                    </a:lnR>
+                    <a:lnT>
+                      <a:noFill/>
+                    </a:lnT>
+                    <a:lnB>
+                      <a:noFill/>
+                    </a:lnB>
+                    <a:noFill/>
+                  </a:tcPr>
+                </a:tc>
+                <a:tc>
+                  <a:txBody>
+                    <a:bodyPr/>
+                    <a:lstStyle/>
+                    <a:p>
+                      <a:pPr>
+                        <a:buNone/>
+                      </a:pPr>
+                      <a:r>
+                        <a:rPr lang="es-ES" sz="400"/>
+                        <a:t>¿Redeclarable en el mismo scope?</a:t>
+                      </a:r>
+                    </a:p>
+                  </a:txBody>
+                  <a:tcPr marL="75699" marR="75699" marT="37850" marB="37850" anchor="ctr">
+                    <a:lnL>
+                      <a:noFill/>
+                    </a:lnL>
+                    <a:lnR>
+                      <a:noFill/>
+                    </a:lnR>
+                    <a:lnT>
+                      <a:noFill/>
+                    </a:lnT>
+                    <a:lnB>
+                      <a:noFill/>
+                    </a:lnB>
+                    <a:noFill/>
+                  </a:tcPr>
+                </a:tc>
+                <a:extLst>
+                  <a:ext uri="{0D108BD9-81ED-4DB2-BD59-A6C34878D82A}">
+                    <a16:rowId xmlns:a16="http://schemas.microsoft.com/office/drawing/2014/main" val="1186967879"/>
+                  </a:ext>
+                </a:extLst>
+              </a:tr>
+              <a:tr h="325824">
+                <a:tc>
+                  <a:txBody>
+                    <a:bodyPr/>
+                    <a:lstStyle/>
+                    <a:p>
+                      <a:pPr>
+                        <a:buNone/>
+                      </a:pPr>
+                      <a:r>
+                        <a:rPr lang="es-ES" sz="400">
+                          <a:latin typeface="Courier New" panose="02070309020205020404" pitchFamily="49" charset="0"/>
+                        </a:rPr>
+                        <a:t>var</a:t>
+                      </a:r>
+                      <a:endParaRPr lang="es-ES" sz="400"/>
+                    </a:p>
+                  </a:txBody>
+                  <a:tcPr marL="75699" marR="75699" marT="37850" marB="37850" anchor="ctr">
+                    <a:lnL>
+                      <a:noFill/>
+                    </a:lnL>
+                    <a:lnR>
+                      <a:noFill/>
+                    </a:lnR>
+                    <a:lnT>
+                      <a:noFill/>
+                    </a:lnT>
+                    <a:lnB>
+                      <a:noFill/>
+                    </a:lnB>
+                    <a:noFill/>
+                  </a:tcPr>
+                </a:tc>
+                <a:tc>
+                  <a:txBody>
+                    <a:bodyPr/>
+                    <a:lstStyle/>
+                    <a:p>
+                      <a:pPr>
+                        <a:buNone/>
+                      </a:pPr>
+                      <a:r>
+                        <a:rPr lang="es-ES" sz="400"/>
+                        <a:t>✅ Sí</a:t>
+                      </a:r>
+                    </a:p>
+                  </a:txBody>
+                  <a:tcPr marL="75699" marR="75699" marT="37850" marB="37850" anchor="ctr">
+                    <a:lnL>
+                      <a:noFill/>
+                    </a:lnL>
+                    <a:lnR>
+                      <a:noFill/>
+                    </a:lnR>
+                    <a:lnT>
+                      <a:noFill/>
+                    </a:lnT>
+                    <a:lnB>
+                      <a:noFill/>
+                    </a:lnB>
+                    <a:noFill/>
+                  </a:tcPr>
+                </a:tc>
+                <a:tc>
+                  <a:txBody>
+                    <a:bodyPr/>
+                    <a:lstStyle/>
+                    <a:p>
+                      <a:pPr>
+                        <a:buNone/>
+                      </a:pPr>
+                      <a:r>
+                        <a:rPr lang="es-ES" sz="400"/>
+                        <a:t>✅ Sí (</a:t>
+                      </a:r>
+                      <a:r>
+                        <a:rPr lang="es-ES" sz="400">
+                          <a:latin typeface="Courier New" panose="02070309020205020404" pitchFamily="49" charset="0"/>
+                        </a:rPr>
+                        <a:t>undefined</a:t>
+                      </a:r>
+                      <a:r>
+                        <a:rPr lang="es-ES" sz="400"/>
+                        <a:t>)</a:t>
+                      </a:r>
+                    </a:p>
+                  </a:txBody>
+                  <a:tcPr marL="75699" marR="75699" marT="37850" marB="37850" anchor="ctr">
+                    <a:lnL>
+                      <a:noFill/>
+                    </a:lnL>
+                    <a:lnR>
+                      <a:noFill/>
+                    </a:lnR>
+                    <a:lnT>
+                      <a:noFill/>
+                    </a:lnT>
+                    <a:lnB>
+                      <a:noFill/>
+                    </a:lnB>
+                    <a:noFill/>
+                  </a:tcPr>
+                </a:tc>
+                <a:tc>
+                  <a:txBody>
+                    <a:bodyPr/>
+                    <a:lstStyle/>
+                    <a:p>
+                      <a:pPr>
+                        <a:buNone/>
+                      </a:pPr>
+                      <a:r>
+                        <a:rPr lang="es-ES" sz="400"/>
+                        <a:t>✅ Sí</a:t>
+                      </a:r>
+                    </a:p>
+                  </a:txBody>
+                  <a:tcPr marL="75699" marR="75699" marT="37850" marB="37850" anchor="ctr">
+                    <a:lnL>
+                      <a:noFill/>
+                    </a:lnL>
+                    <a:lnR>
+                      <a:noFill/>
+                    </a:lnR>
+                    <a:lnT>
+                      <a:noFill/>
+                    </a:lnT>
+                    <a:lnB>
+                      <a:noFill/>
+                    </a:lnB>
+                    <a:noFill/>
+                  </a:tcPr>
+                </a:tc>
+                <a:tc>
+                  <a:txBody>
+                    <a:bodyPr/>
+                    <a:lstStyle/>
+                    <a:p>
+                      <a:pPr>
+                        <a:buNone/>
+                      </a:pPr>
+                      <a:r>
+                        <a:rPr lang="es-ES" sz="400"/>
+                        <a:t>✅ Sí</a:t>
+                      </a:r>
+                    </a:p>
+                  </a:txBody>
+                  <a:tcPr marL="75699" marR="75699" marT="37850" marB="37850" anchor="ctr">
+                    <a:lnL>
+                      <a:noFill/>
+                    </a:lnL>
+                    <a:lnR>
+                      <a:noFill/>
+                    </a:lnR>
+                    <a:lnT>
+                      <a:noFill/>
+                    </a:lnT>
+                    <a:lnB>
+                      <a:noFill/>
+                    </a:lnB>
+                    <a:noFill/>
+                  </a:tcPr>
+                </a:tc>
+                <a:extLst>
+                  <a:ext uri="{0D108BD9-81ED-4DB2-BD59-A6C34878D82A}">
+                    <a16:rowId xmlns:a16="http://schemas.microsoft.com/office/drawing/2014/main" val="3829091638"/>
+                  </a:ext>
+                </a:extLst>
+              </a:tr>
+              <a:tr h="159075">
+                <a:tc>
+                  <a:txBody>
+                    <a:bodyPr/>
+                    <a:lstStyle/>
+                    <a:p>
+                      <a:pPr>
+                        <a:buNone/>
+                      </a:pPr>
+                      <a:r>
+                        <a:rPr lang="es-ES" sz="400">
+                          <a:latin typeface="Courier New" panose="02070309020205020404" pitchFamily="49" charset="0"/>
+                        </a:rPr>
+                        <a:t>let</a:t>
+                      </a:r>
+                      <a:endParaRPr lang="es-ES" sz="400"/>
+                    </a:p>
+                  </a:txBody>
+                  <a:tcPr marL="75699" marR="75699" marT="37850" marB="37850" anchor="ctr">
+                    <a:lnL>
+                      <a:noFill/>
+                    </a:lnL>
+                    <a:lnR>
+                      <a:noFill/>
+                    </a:lnR>
+                    <a:lnT>
+                      <a:noFill/>
+                    </a:lnT>
+                    <a:lnB>
+                      <a:noFill/>
+                    </a:lnB>
+                    <a:noFill/>
+                  </a:tcPr>
+                </a:tc>
+                <a:tc>
+                  <a:txBody>
+                    <a:bodyPr/>
+                    <a:lstStyle/>
+                    <a:p>
+                      <a:pPr>
+                        <a:buNone/>
+                      </a:pPr>
+                      <a:r>
+                        <a:rPr lang="es-ES" sz="400"/>
+                        <a:t>✅ Sí</a:t>
+                      </a:r>
+                    </a:p>
+                  </a:txBody>
+                  <a:tcPr marL="75699" marR="75699" marT="37850" marB="37850" anchor="ctr">
+                    <a:lnL>
+                      <a:noFill/>
+                    </a:lnL>
+                    <a:lnR>
+                      <a:noFill/>
+                    </a:lnR>
+                    <a:lnT>
+                      <a:noFill/>
+                    </a:lnT>
+                    <a:lnB>
+                      <a:noFill/>
+                    </a:lnB>
+                    <a:noFill/>
+                  </a:tcPr>
+                </a:tc>
+                <a:tc>
+                  <a:txBody>
+                    <a:bodyPr/>
+                    <a:lstStyle/>
+                    <a:p>
+                      <a:pPr>
+                        <a:buNone/>
+                      </a:pPr>
+                      <a:r>
+                        <a:rPr lang="es-ES" sz="400"/>
+                        <a:t>❌ No</a:t>
+                      </a:r>
+                    </a:p>
+                  </a:txBody>
+                  <a:tcPr marL="75699" marR="75699" marT="37850" marB="37850" anchor="ctr">
+                    <a:lnL>
+                      <a:noFill/>
+                    </a:lnL>
+                    <a:lnR>
+                      <a:noFill/>
+                    </a:lnR>
+                    <a:lnT>
+                      <a:noFill/>
+                    </a:lnT>
+                    <a:lnB>
+                      <a:noFill/>
+                    </a:lnB>
+                    <a:noFill/>
+                  </a:tcPr>
+                </a:tc>
+                <a:tc>
+                  <a:txBody>
+                    <a:bodyPr/>
+                    <a:lstStyle/>
+                    <a:p>
+                      <a:pPr>
+                        <a:buNone/>
+                      </a:pPr>
+                      <a:r>
+                        <a:rPr lang="es-ES" sz="400"/>
+                        <a:t>❌ No</a:t>
+                      </a:r>
+                    </a:p>
+                  </a:txBody>
+                  <a:tcPr marL="75699" marR="75699" marT="37850" marB="37850" anchor="ctr">
+                    <a:lnL>
+                      <a:noFill/>
+                    </a:lnL>
+                    <a:lnR>
+                      <a:noFill/>
+                    </a:lnR>
+                    <a:lnT>
+                      <a:noFill/>
+                    </a:lnT>
+                    <a:lnB>
+                      <a:noFill/>
+                    </a:lnB>
+                    <a:noFill/>
+                  </a:tcPr>
+                </a:tc>
+                <a:tc>
+                  <a:txBody>
+                    <a:bodyPr/>
+                    <a:lstStyle/>
+                    <a:p>
+                      <a:pPr>
+                        <a:buNone/>
+                      </a:pPr>
+                      <a:r>
+                        <a:rPr lang="es-ES" sz="400"/>
+                        <a:t>❌ No</a:t>
+                      </a:r>
+                    </a:p>
+                  </a:txBody>
+                  <a:tcPr marL="75699" marR="75699" marT="37850" marB="37850" anchor="ctr">
+                    <a:lnL>
+                      <a:noFill/>
+                    </a:lnL>
+                    <a:lnR>
+                      <a:noFill/>
+                    </a:lnR>
+                    <a:lnT>
+                      <a:noFill/>
+                    </a:lnT>
+                    <a:lnB>
+                      <a:noFill/>
+                    </a:lnB>
+                    <a:noFill/>
+                  </a:tcPr>
+                </a:tc>
+                <a:extLst>
+                  <a:ext uri="{0D108BD9-81ED-4DB2-BD59-A6C34878D82A}">
+                    <a16:rowId xmlns:a16="http://schemas.microsoft.com/office/drawing/2014/main" val="3015770976"/>
+                  </a:ext>
+                </a:extLst>
+              </a:tr>
+              <a:tr h="159075">
+                <a:tc>
+                  <a:txBody>
+                    <a:bodyPr/>
+                    <a:lstStyle/>
+                    <a:p>
+                      <a:pPr>
+                        <a:buNone/>
+                      </a:pPr>
+                      <a:r>
+                        <a:rPr lang="es-ES" sz="400">
+                          <a:latin typeface="Courier New" panose="02070309020205020404" pitchFamily="49" charset="0"/>
+                        </a:rPr>
+                        <a:t>const</a:t>
+                      </a:r>
+                      <a:endParaRPr lang="es-ES" sz="400"/>
+                    </a:p>
+                  </a:txBody>
+                  <a:tcPr marL="75699" marR="75699" marT="37850" marB="37850" anchor="ctr">
+                    <a:lnL>
+                      <a:noFill/>
+                    </a:lnL>
+                    <a:lnR>
+                      <a:noFill/>
+                    </a:lnR>
+                    <a:lnT>
+                      <a:noFill/>
+                    </a:lnT>
+                    <a:lnB>
+                      <a:noFill/>
+                    </a:lnB>
+                    <a:noFill/>
+                  </a:tcPr>
+                </a:tc>
+                <a:tc>
+                  <a:txBody>
+                    <a:bodyPr/>
+                    <a:lstStyle/>
+                    <a:p>
+                      <a:pPr>
+                        <a:buNone/>
+                      </a:pPr>
+                      <a:r>
+                        <a:rPr lang="es-ES" sz="400"/>
+                        <a:t>✅ Sí</a:t>
+                      </a:r>
+                    </a:p>
+                  </a:txBody>
+                  <a:tcPr marL="75699" marR="75699" marT="37850" marB="37850" anchor="ctr">
+                    <a:lnL>
+                      <a:noFill/>
+                    </a:lnL>
+                    <a:lnR>
+                      <a:noFill/>
+                    </a:lnR>
+                    <a:lnT>
+                      <a:noFill/>
+                    </a:lnT>
+                    <a:lnB>
+                      <a:noFill/>
+                    </a:lnB>
+                    <a:noFill/>
+                  </a:tcPr>
+                </a:tc>
+                <a:tc>
+                  <a:txBody>
+                    <a:bodyPr/>
+                    <a:lstStyle/>
+                    <a:p>
+                      <a:pPr>
+                        <a:buNone/>
+                      </a:pPr>
+                      <a:r>
+                        <a:rPr lang="es-ES" sz="400"/>
+                        <a:t>❌ No</a:t>
+                      </a:r>
+                    </a:p>
+                  </a:txBody>
+                  <a:tcPr marL="75699" marR="75699" marT="37850" marB="37850" anchor="ctr">
+                    <a:lnL>
+                      <a:noFill/>
+                    </a:lnL>
+                    <a:lnR>
+                      <a:noFill/>
+                    </a:lnR>
+                    <a:lnT>
+                      <a:noFill/>
+                    </a:lnT>
+                    <a:lnB>
+                      <a:noFill/>
+                    </a:lnB>
+                    <a:noFill/>
+                  </a:tcPr>
+                </a:tc>
+                <a:tc>
+                  <a:txBody>
+                    <a:bodyPr/>
+                    <a:lstStyle/>
+                    <a:p>
+                      <a:pPr>
+                        <a:buNone/>
+                      </a:pPr>
+                      <a:r>
+                        <a:rPr lang="es-ES" sz="400"/>
+                        <a:t>❌ No</a:t>
+                      </a:r>
+                    </a:p>
+                  </a:txBody>
+                  <a:tcPr marL="75699" marR="75699" marT="37850" marB="37850" anchor="ctr">
+                    <a:lnL>
+                      <a:noFill/>
+                    </a:lnL>
+                    <a:lnR>
+                      <a:noFill/>
+                    </a:lnR>
+                    <a:lnT>
+                      <a:noFill/>
+                    </a:lnT>
+                    <a:lnB>
+                      <a:noFill/>
+                    </a:lnB>
+                    <a:noFill/>
+                  </a:tcPr>
+                </a:tc>
+                <a:tc>
+                  <a:txBody>
+                    <a:bodyPr/>
+                    <a:lstStyle/>
+                    <a:p>
+                      <a:pPr>
+                        <a:buNone/>
+                      </a:pPr>
+                      <a:r>
+                        <a:rPr lang="es-ES" sz="400"/>
+                        <a:t>❌ No</a:t>
+                      </a:r>
+                    </a:p>
+                  </a:txBody>
+                  <a:tcPr marL="75699" marR="75699" marT="37850" marB="37850" anchor="ctr">
+                    <a:lnL>
+                      <a:noFill/>
+                    </a:lnL>
+                    <a:lnR>
+                      <a:noFill/>
+                    </a:lnR>
+                    <a:lnT>
+                      <a:noFill/>
+                    </a:lnT>
+                    <a:lnB>
+                      <a:noFill/>
+                    </a:lnB>
+                    <a:noFill/>
+                  </a:tcPr>
+                </a:tc>
+                <a:extLst>
+                  <a:ext uri="{0D108BD9-81ED-4DB2-BD59-A6C34878D82A}">
+                    <a16:rowId xmlns:a16="http://schemas.microsoft.com/office/drawing/2014/main" val="3137087039"/>
+                  </a:ext>
+                </a:extLst>
+              </a:tr>
+              <a:tr h="325824">
+                <a:tc>
+                  <a:txBody>
+                    <a:bodyPr/>
+                    <a:lstStyle/>
+                    <a:p>
+                      <a:pPr>
+                        <a:buNone/>
+                      </a:pPr>
+                      <a:r>
+                        <a:rPr lang="es-ES" sz="400" b="1"/>
+                        <a:t>function declaration</a:t>
+                      </a:r>
+                      <a:endParaRPr lang="es-ES" sz="400"/>
+                    </a:p>
+                  </a:txBody>
+                  <a:tcPr marL="75699" marR="75699" marT="37850" marB="37850" anchor="ctr">
+                    <a:lnL>
+                      <a:noFill/>
+                    </a:lnL>
+                    <a:lnR>
+                      <a:noFill/>
+                    </a:lnR>
+                    <a:lnT>
+                      <a:noFill/>
+                    </a:lnT>
+                    <a:lnB>
+                      <a:noFill/>
+                    </a:lnB>
+                    <a:noFill/>
+                  </a:tcPr>
+                </a:tc>
+                <a:tc>
+                  <a:txBody>
+                    <a:bodyPr/>
+                    <a:lstStyle/>
+                    <a:p>
+                      <a:pPr>
+                        <a:buNone/>
+                      </a:pPr>
+                      <a:r>
+                        <a:rPr lang="es-ES" sz="400"/>
+                        <a:t>✅ Sí (completa)</a:t>
+                      </a:r>
+                    </a:p>
+                  </a:txBody>
+                  <a:tcPr marL="75699" marR="75699" marT="37850" marB="37850" anchor="ctr">
+                    <a:lnL>
+                      <a:noFill/>
+                    </a:lnL>
+                    <a:lnR>
+                      <a:noFill/>
+                    </a:lnR>
+                    <a:lnT>
+                      <a:noFill/>
+                    </a:lnT>
+                    <a:lnB>
+                      <a:noFill/>
+                    </a:lnB>
+                    <a:noFill/>
+                  </a:tcPr>
+                </a:tc>
+                <a:tc>
+                  <a:txBody>
+                    <a:bodyPr/>
+                    <a:lstStyle/>
+                    <a:p>
+                      <a:pPr>
+                        <a:buNone/>
+                      </a:pPr>
+                      <a:r>
+                        <a:rPr lang="es-ES" sz="400"/>
+                        <a:t>✅ Sí (con su valor completo)</a:t>
+                      </a:r>
+                    </a:p>
+                  </a:txBody>
+                  <a:tcPr marL="75699" marR="75699" marT="37850" marB="37850" anchor="ctr">
+                    <a:lnL>
+                      <a:noFill/>
+                    </a:lnL>
+                    <a:lnR>
+                      <a:noFill/>
+                    </a:lnR>
+                    <a:lnT>
+                      <a:noFill/>
+                    </a:lnT>
+                    <a:lnB>
+                      <a:noFill/>
+                    </a:lnB>
+                    <a:noFill/>
+                  </a:tcPr>
+                </a:tc>
+                <a:tc>
+                  <a:txBody>
+                    <a:bodyPr/>
+                    <a:lstStyle/>
+                    <a:p>
+                      <a:pPr>
+                        <a:buNone/>
+                      </a:pPr>
+                      <a:r>
+                        <a:rPr lang="es-ES" sz="400"/>
+                        <a:t>✅ Sí</a:t>
+                      </a:r>
+                    </a:p>
+                  </a:txBody>
+                  <a:tcPr marL="75699" marR="75699" marT="37850" marB="37850" anchor="ctr">
+                    <a:lnL>
+                      <a:noFill/>
+                    </a:lnL>
+                    <a:lnR>
+                      <a:noFill/>
+                    </a:lnR>
+                    <a:lnT>
+                      <a:noFill/>
+                    </a:lnT>
+                    <a:lnB>
+                      <a:noFill/>
+                    </a:lnB>
+                    <a:noFill/>
+                  </a:tcPr>
+                </a:tc>
+                <a:tc>
+                  <a:txBody>
+                    <a:bodyPr/>
+                    <a:lstStyle/>
+                    <a:p>
+                      <a:pPr>
+                        <a:buNone/>
+                      </a:pPr>
+                      <a:r>
+                        <a:rPr lang="es-ES" sz="400"/>
+                        <a:t>✅ Sí</a:t>
+                      </a:r>
+                    </a:p>
+                  </a:txBody>
+                  <a:tcPr marL="75699" marR="75699" marT="37850" marB="37850" anchor="ctr">
+                    <a:lnL>
+                      <a:noFill/>
+                    </a:lnL>
+                    <a:lnR>
+                      <a:noFill/>
+                    </a:lnR>
+                    <a:lnT>
+                      <a:noFill/>
+                    </a:lnT>
+                    <a:lnB>
+                      <a:noFill/>
+                    </a:lnB>
+                    <a:noFill/>
+                  </a:tcPr>
+                </a:tc>
+                <a:extLst>
+                  <a:ext uri="{0D108BD9-81ED-4DB2-BD59-A6C34878D82A}">
+                    <a16:rowId xmlns:a16="http://schemas.microsoft.com/office/drawing/2014/main" val="1512250743"/>
+                  </a:ext>
+                </a:extLst>
+              </a:tr>
+              <a:tr h="325824">
+                <a:tc>
+                  <a:txBody>
+                    <a:bodyPr/>
+                    <a:lstStyle/>
+                    <a:p>
+                      <a:pPr>
+                        <a:buNone/>
+                      </a:pPr>
+                      <a:r>
+                        <a:rPr lang="es-ES" sz="400" b="1"/>
+                        <a:t>function expression</a:t>
+                      </a:r>
+                      <a:endParaRPr lang="es-ES" sz="400"/>
+                    </a:p>
+                  </a:txBody>
+                  <a:tcPr marL="75699" marR="75699" marT="37850" marB="37850" anchor="ctr">
+                    <a:lnL>
+                      <a:noFill/>
+                    </a:lnL>
+                    <a:lnR>
+                      <a:noFill/>
+                    </a:lnR>
+                    <a:lnT>
+                      <a:noFill/>
+                    </a:lnT>
+                    <a:lnB>
+                      <a:noFill/>
+                    </a:lnB>
+                    <a:noFill/>
+                  </a:tcPr>
+                </a:tc>
+                <a:tc>
+                  <a:txBody>
+                    <a:bodyPr/>
+                    <a:lstStyle/>
+                    <a:p>
+                      <a:pPr>
+                        <a:buNone/>
+                      </a:pPr>
+                      <a:r>
+                        <a:rPr lang="es-ES" sz="400"/>
+                        <a:t>⚠️ Solo si es </a:t>
+                      </a:r>
+                      <a:r>
+                        <a:rPr lang="es-ES" sz="400">
+                          <a:latin typeface="Courier New" panose="02070309020205020404" pitchFamily="49" charset="0"/>
+                        </a:rPr>
+                        <a:t>var</a:t>
+                      </a:r>
+                      <a:endParaRPr lang="es-ES" sz="400"/>
+                    </a:p>
+                  </a:txBody>
+                  <a:tcPr marL="75699" marR="75699" marT="37850" marB="37850" anchor="ctr">
+                    <a:lnL>
+                      <a:noFill/>
+                    </a:lnL>
+                    <a:lnR>
+                      <a:noFill/>
+                    </a:lnR>
+                    <a:lnT>
+                      <a:noFill/>
+                    </a:lnT>
+                    <a:lnB>
+                      <a:noFill/>
+                    </a:lnB>
+                    <a:noFill/>
+                  </a:tcPr>
+                </a:tc>
+                <a:tc>
+                  <a:txBody>
+                    <a:bodyPr/>
+                    <a:lstStyle/>
+                    <a:p>
+                      <a:pPr>
+                        <a:buNone/>
+                      </a:pPr>
+                      <a:r>
+                        <a:rPr lang="es-ES" sz="400"/>
+                        <a:t>⚠️ </a:t>
+                      </a:r>
+                      <a:r>
+                        <a:rPr lang="es-ES" sz="400">
+                          <a:latin typeface="Courier New" panose="02070309020205020404" pitchFamily="49" charset="0"/>
+                        </a:rPr>
+                        <a:t>undefined</a:t>
+                      </a:r>
+                      <a:r>
+                        <a:rPr lang="es-ES" sz="400"/>
+                        <a:t> si es </a:t>
+                      </a:r>
+                      <a:r>
+                        <a:rPr lang="es-ES" sz="400">
+                          <a:latin typeface="Courier New" panose="02070309020205020404" pitchFamily="49" charset="0"/>
+                        </a:rPr>
+                        <a:t>var</a:t>
+                      </a:r>
+                      <a:endParaRPr lang="es-ES" sz="400"/>
+                    </a:p>
+                  </a:txBody>
+                  <a:tcPr marL="75699" marR="75699" marT="37850" marB="37850" anchor="ctr">
+                    <a:lnL>
+                      <a:noFill/>
+                    </a:lnL>
+                    <a:lnR>
+                      <a:noFill/>
+                    </a:lnR>
+                    <a:lnT>
+                      <a:noFill/>
+                    </a:lnT>
+                    <a:lnB>
+                      <a:noFill/>
+                    </a:lnB>
+                    <a:noFill/>
+                  </a:tcPr>
+                </a:tc>
+                <a:tc>
+                  <a:txBody>
+                    <a:bodyPr/>
+                    <a:lstStyle/>
+                    <a:p>
+                      <a:pPr>
+                        <a:buNone/>
+                      </a:pPr>
+                      <a:r>
+                        <a:rPr lang="es-ES" sz="400"/>
+                        <a:t>⚠️ No (da error)</a:t>
+                      </a:r>
+                    </a:p>
+                  </a:txBody>
+                  <a:tcPr marL="75699" marR="75699" marT="37850" marB="37850" anchor="ctr">
+                    <a:lnL>
+                      <a:noFill/>
+                    </a:lnL>
+                    <a:lnR>
+                      <a:noFill/>
+                    </a:lnR>
+                    <a:lnT>
+                      <a:noFill/>
+                    </a:lnT>
+                    <a:lnB>
+                      <a:noFill/>
+                    </a:lnB>
+                    <a:noFill/>
+                  </a:tcPr>
+                </a:tc>
+                <a:tc>
+                  <a:txBody>
+                    <a:bodyPr/>
+                    <a:lstStyle/>
+                    <a:p>
+                      <a:pPr>
+                        <a:buNone/>
+                      </a:pPr>
+                      <a:r>
+                        <a:rPr lang="es-ES" sz="400"/>
+                        <a:t>⚠️ Sí si es </a:t>
+                      </a:r>
+                      <a:r>
+                        <a:rPr lang="es-ES" sz="400">
+                          <a:latin typeface="Courier New" panose="02070309020205020404" pitchFamily="49" charset="0"/>
+                        </a:rPr>
+                        <a:t>var</a:t>
+                      </a:r>
+                      <a:endParaRPr lang="es-ES" sz="400"/>
+                    </a:p>
+                  </a:txBody>
+                  <a:tcPr marL="75699" marR="75699" marT="37850" marB="37850" anchor="ctr">
+                    <a:lnL>
+                      <a:noFill/>
+                    </a:lnL>
+                    <a:lnR>
+                      <a:noFill/>
+                    </a:lnR>
+                    <a:lnT>
+                      <a:noFill/>
+                    </a:lnT>
+                    <a:lnB>
+                      <a:noFill/>
+                    </a:lnB>
+                    <a:noFill/>
+                  </a:tcPr>
+                </a:tc>
+                <a:extLst>
+                  <a:ext uri="{0D108BD9-81ED-4DB2-BD59-A6C34878D82A}">
+                    <a16:rowId xmlns:a16="http://schemas.microsoft.com/office/drawing/2014/main" val="2392471725"/>
+                  </a:ext>
+                </a:extLst>
+              </a:tr>
+              <a:tr h="409199">
+                <a:tc>
+                  <a:txBody>
+                    <a:bodyPr/>
+                    <a:lstStyle/>
+                    <a:p>
+                      <a:pPr>
+                        <a:buNone/>
+                      </a:pPr>
+                      <a:r>
+                        <a:rPr lang="es-ES" sz="400" b="1"/>
+                        <a:t>class declaration</a:t>
+                      </a:r>
+                      <a:endParaRPr lang="es-ES" sz="400"/>
+                    </a:p>
+                  </a:txBody>
+                  <a:tcPr marL="75699" marR="75699" marT="37850" marB="37850" anchor="ctr">
+                    <a:lnL>
+                      <a:noFill/>
+                    </a:lnL>
+                    <a:lnR>
+                      <a:noFill/>
+                    </a:lnR>
+                    <a:lnT>
+                      <a:noFill/>
+                    </a:lnT>
+                    <a:lnB>
+                      <a:noFill/>
+                    </a:lnB>
+                    <a:noFill/>
+                  </a:tcPr>
+                </a:tc>
+                <a:tc>
+                  <a:txBody>
+                    <a:bodyPr/>
+                    <a:lstStyle/>
+                    <a:p>
+                      <a:pPr>
+                        <a:buNone/>
+                      </a:pPr>
+                      <a:r>
+                        <a:rPr lang="es-ES" sz="400"/>
+                        <a:t>✅ Sí (solo la referencia)</a:t>
+                      </a:r>
+                    </a:p>
+                  </a:txBody>
+                  <a:tcPr marL="75699" marR="75699" marT="37850" marB="37850" anchor="ctr">
+                    <a:lnL>
+                      <a:noFill/>
+                    </a:lnL>
+                    <a:lnR>
+                      <a:noFill/>
+                    </a:lnR>
+                    <a:lnT>
+                      <a:noFill/>
+                    </a:lnT>
+                    <a:lnB>
+                      <a:noFill/>
+                    </a:lnB>
+                    <a:noFill/>
+                  </a:tcPr>
+                </a:tc>
+                <a:tc>
+                  <a:txBody>
+                    <a:bodyPr/>
+                    <a:lstStyle/>
+                    <a:p>
+                      <a:pPr>
+                        <a:buNone/>
+                      </a:pPr>
+                      <a:r>
+                        <a:rPr lang="es-ES" sz="400"/>
+                        <a:t>❌ No</a:t>
+                      </a:r>
+                    </a:p>
+                  </a:txBody>
+                  <a:tcPr marL="75699" marR="75699" marT="37850" marB="37850" anchor="ctr">
+                    <a:lnL>
+                      <a:noFill/>
+                    </a:lnL>
+                    <a:lnR>
+                      <a:noFill/>
+                    </a:lnR>
+                    <a:lnT>
+                      <a:noFill/>
+                    </a:lnT>
+                    <a:lnB>
+                      <a:noFill/>
+                    </a:lnB>
+                    <a:noFill/>
+                  </a:tcPr>
+                </a:tc>
+                <a:tc>
+                  <a:txBody>
+                    <a:bodyPr/>
+                    <a:lstStyle/>
+                    <a:p>
+                      <a:pPr>
+                        <a:buNone/>
+                      </a:pPr>
+                      <a:r>
+                        <a:rPr lang="es-ES" sz="400"/>
+                        <a:t>❌ No (zona muerta temporal)</a:t>
+                      </a:r>
+                    </a:p>
+                  </a:txBody>
+                  <a:tcPr marL="75699" marR="75699" marT="37850" marB="37850" anchor="ctr">
+                    <a:lnL>
+                      <a:noFill/>
+                    </a:lnL>
+                    <a:lnR>
+                      <a:noFill/>
+                    </a:lnR>
+                    <a:lnT>
+                      <a:noFill/>
+                    </a:lnT>
+                    <a:lnB>
+                      <a:noFill/>
+                    </a:lnB>
+                    <a:noFill/>
+                  </a:tcPr>
+                </a:tc>
+                <a:tc>
+                  <a:txBody>
+                    <a:bodyPr/>
+                    <a:lstStyle/>
+                    <a:p>
+                      <a:pPr>
+                        <a:buNone/>
+                      </a:pPr>
+                      <a:r>
+                        <a:rPr lang="es-ES" sz="400"/>
+                        <a:t>❌ No</a:t>
+                      </a:r>
+                    </a:p>
+                  </a:txBody>
+                  <a:tcPr marL="75699" marR="75699" marT="37850" marB="37850" anchor="ctr">
+                    <a:lnL>
+                      <a:noFill/>
+                    </a:lnL>
+                    <a:lnR>
+                      <a:noFill/>
+                    </a:lnR>
+                    <a:lnT>
+                      <a:noFill/>
+                    </a:lnT>
+                    <a:lnB>
+                      <a:noFill/>
+                    </a:lnB>
+                    <a:noFill/>
+                  </a:tcPr>
+                </a:tc>
+                <a:extLst>
+                  <a:ext uri="{0D108BD9-81ED-4DB2-BD59-A6C34878D82A}">
+                    <a16:rowId xmlns:a16="http://schemas.microsoft.com/office/drawing/2014/main" val="248189022"/>
+                  </a:ext>
+                </a:extLst>
+              </a:tr>
+              <a:tr h="409199">
+                <a:tc>
+                  <a:txBody>
+                    <a:bodyPr/>
+                    <a:lstStyle/>
+                    <a:p>
+                      <a:pPr>
+                        <a:buNone/>
+                      </a:pPr>
+                      <a:r>
+                        <a:rPr lang="es-ES" sz="400" b="1"/>
+                        <a:t>import</a:t>
+                      </a:r>
+                      <a:endParaRPr lang="es-ES" sz="400"/>
+                    </a:p>
+                  </a:txBody>
+                  <a:tcPr marL="75699" marR="75699" marT="37850" marB="37850" anchor="ctr">
+                    <a:lnL>
+                      <a:noFill/>
+                    </a:lnL>
+                    <a:lnR>
+                      <a:noFill/>
+                    </a:lnR>
+                    <a:lnT>
+                      <a:noFill/>
+                    </a:lnT>
+                    <a:lnB>
+                      <a:noFill/>
+                    </a:lnB>
+                    <a:noFill/>
+                  </a:tcPr>
+                </a:tc>
+                <a:tc>
+                  <a:txBody>
+                    <a:bodyPr/>
+                    <a:lstStyle/>
+                    <a:p>
+                      <a:pPr>
+                        <a:buNone/>
+                      </a:pPr>
+                      <a:r>
+                        <a:rPr lang="es-ES" sz="400"/>
+                        <a:t>✅ Sí (antes de todo el código)</a:t>
+                      </a:r>
+                    </a:p>
+                  </a:txBody>
+                  <a:tcPr marL="75699" marR="75699" marT="37850" marB="37850" anchor="ctr">
+                    <a:lnL>
+                      <a:noFill/>
+                    </a:lnL>
+                    <a:lnR>
+                      <a:noFill/>
+                    </a:lnR>
+                    <a:lnT>
+                      <a:noFill/>
+                    </a:lnT>
+                    <a:lnB>
+                      <a:noFill/>
+                    </a:lnB>
+                    <a:noFill/>
+                  </a:tcPr>
+                </a:tc>
+                <a:tc>
+                  <a:txBody>
+                    <a:bodyPr/>
+                    <a:lstStyle/>
+                    <a:p>
+                      <a:pPr>
+                        <a:buNone/>
+                      </a:pPr>
+                      <a:r>
+                        <a:rPr lang="es-ES" sz="400"/>
+                        <a:t>✅ Sí (valor real)</a:t>
+                      </a:r>
+                    </a:p>
+                  </a:txBody>
+                  <a:tcPr marL="75699" marR="75699" marT="37850" marB="37850" anchor="ctr">
+                    <a:lnL>
+                      <a:noFill/>
+                    </a:lnL>
+                    <a:lnR>
+                      <a:noFill/>
+                    </a:lnR>
+                    <a:lnT>
+                      <a:noFill/>
+                    </a:lnT>
+                    <a:lnB>
+                      <a:noFill/>
+                    </a:lnB>
+                    <a:noFill/>
+                  </a:tcPr>
+                </a:tc>
+                <a:tc>
+                  <a:txBody>
+                    <a:bodyPr/>
+                    <a:lstStyle/>
+                    <a:p>
+                      <a:pPr>
+                        <a:buNone/>
+                      </a:pPr>
+                      <a:r>
+                        <a:rPr lang="es-ES" sz="400"/>
+                        <a:t>✅ Sí</a:t>
+                      </a:r>
+                    </a:p>
+                  </a:txBody>
+                  <a:tcPr marL="75699" marR="75699" marT="37850" marB="37850" anchor="ctr">
+                    <a:lnL>
+                      <a:noFill/>
+                    </a:lnL>
+                    <a:lnR>
+                      <a:noFill/>
+                    </a:lnR>
+                    <a:lnT>
+                      <a:noFill/>
+                    </a:lnT>
+                    <a:lnB>
+                      <a:noFill/>
+                    </a:lnB>
+                    <a:noFill/>
+                  </a:tcPr>
+                </a:tc>
+                <a:tc>
+                  <a:txBody>
+                    <a:bodyPr/>
+                    <a:lstStyle/>
+                    <a:p>
+                      <a:pPr>
+                        <a:buNone/>
+                      </a:pPr>
+                      <a:r>
+                        <a:rPr lang="es-ES" sz="400" dirty="0"/>
+                        <a:t>❌ No</a:t>
+                      </a:r>
+                    </a:p>
+                  </a:txBody>
+                  <a:tcPr marL="75699" marR="75699" marT="37850" marB="37850" anchor="ctr">
+                    <a:lnL>
+                      <a:noFill/>
+                    </a:lnL>
+                    <a:lnR>
+                      <a:noFill/>
+                    </a:lnR>
+                    <a:lnT>
+                      <a:noFill/>
+                    </a:lnT>
+                    <a:lnB>
+                      <a:noFill/>
+                    </a:lnB>
+                    <a:noFill/>
+                  </a:tcPr>
+                </a:tc>
+                <a:extLst>
+                  <a:ext uri="{0D108BD9-81ED-4DB2-BD59-A6C34878D82A}">
+                    <a16:rowId xmlns:a16="http://schemas.microsoft.com/office/drawing/2014/main" val="681278118"/>
+                  </a:ext>
+                </a:extLst>
+              </a:tr>
+            </a:tbl>
+          </a:graphicData>
+        </a:graphic>
+      </p:graphicFrame>
+    </p:spTree>
+    <p:extLst>
+      <p:ext uri="{BB962C8B-B14F-4D97-AF65-F5344CB8AC3E}">
+        <p14:creationId xmlns:p14="http://schemas.microsoft.com/office/powerpoint/2010/main" val="3679118450"/>
+      </p:ext>
+    </p:extLst>
+  </p:cSld>
+  <p:clrMapOvr>
+    <a:masterClrMapping/>
+  </p:clrMapOvr>
+</p:sld>
+</file>
+
 <file path=ppt/slides/slide5.xml><?xml version="1.0" encoding="utf-8"?>
 <p:sld xmlns:a="http://schemas.openxmlformats.org/drawingml/2006/main" xmlns:r="http://schemas.openxmlformats.org/officeDocument/2006/relationships" xmlns:p="http://schemas.openxmlformats.org/presentationml/2006/main">
   <p:cSld>
